--- a/presentation/Capstone_presentation_JacobGoodman.pptx
+++ b/presentation/Capstone_presentation_JacobGoodman.pptx
@@ -280,6 +280,11 @@
       </a:defRPr>
     </a:lvl9pPr>
   </p:defaultTextStyle>
+  <p:extLst>
+    <p:ext uri="{EFAFB233-063F-42B5-8137-9DF3F51BA10A}">
+      <p15:sldGuideLst xmlns:p15="http://schemas.microsoft.com/office/powerpoint/2012/main"/>
+    </p:ext>
+  </p:extLst>
 </p:presentation>
 </file>
 
@@ -30777,15 +30782,6 @@
           <a:ln>
             <a:noFill/>
           </a:ln>
-          <a:extLst>
-            <a:ext uri="{909E8E84-426E-40DD-AFC4-6F175D3DCCD1}">
-              <a14:hiddenFill xmlns:a14="http://schemas.microsoft.com/office/drawing/2010/main">
-                <a:solidFill>
-                  <a:srgbClr val="FFFFFF"/>
-                </a:solidFill>
-              </a14:hiddenFill>
-            </a:ext>
-          </a:extLst>
         </p:spPr>
       </p:pic>
       <p:sp>
@@ -30845,7 +30841,7 @@
             </a:pPr>
             <a:r>
               <a:rPr lang="en-US" dirty="0"/>
-              <a:t>Alpha: 1e-07</a:t>
+              <a:t>Alpha: 1e-06</a:t>
             </a:r>
           </a:p>
           <a:p>
@@ -30875,7 +30871,7 @@
             </a:pPr>
             <a:r>
               <a:rPr lang="en-US" dirty="0"/>
-              <a:t>input: 4</a:t>
+              <a:t>input: 21</a:t>
             </a:r>
           </a:p>
           <a:p>
@@ -30885,7 +30881,7 @@
             </a:pPr>
             <a:r>
               <a:rPr lang="en-US" dirty="0"/>
-              <a:t>Hidden: 3</a:t>
+              <a:t>Hidden: 15</a:t>
             </a:r>
           </a:p>
           <a:p>
@@ -30895,7 +30891,7 @@
             </a:pPr>
             <a:r>
               <a:rPr lang="en-US" dirty="0"/>
-              <a:t>Output: 3</a:t>
+              <a:t>Output: 1</a:t>
             </a:r>
           </a:p>
           <a:p>
@@ -30923,7 +30919,7 @@
             </a:r>
             <a:r>
               <a:rPr lang="en-US" sz="1800" dirty="0"/>
-              <a:t>= 881,455</a:t>
+              <a:t>= 881,455   </a:t>
             </a:r>
           </a:p>
           <a:p>
@@ -30934,58 +30930,6 @@
               <a:t>Data source</a:t>
             </a:r>
             <a:endParaRPr lang="en-US" sz="1800" dirty="0"/>
-          </a:p>
-        </p:txBody>
-      </p:sp>
-      <p:sp>
-        <p:nvSpPr>
-          <p:cNvPr id="75" name="Slide Number Placeholder 4">
-            <a:extLst>
-              <a:ext uri="{FF2B5EF4-FFF2-40B4-BE49-F238E27FC236}">
-                <a16:creationId xmlns:a16="http://schemas.microsoft.com/office/drawing/2014/main" id="{BAD7F1D6-343A-4C66-8672-78D80641F075}"/>
-              </a:ext>
-            </a:extLst>
-          </p:cNvPr>
-          <p:cNvSpPr>
-            <a:spLocks noGrp="1"/>
-          </p:cNvSpPr>
-          <p:nvPr>
-            <p:ph type="sldNum" idx="12"/>
-          </p:nvPr>
-        </p:nvSpPr>
-        <p:spPr>
-          <a:xfrm>
-            <a:off x="8610600" y="6356350"/>
-            <a:ext cx="2743200" cy="365100"/>
-          </a:xfrm>
-        </p:spPr>
-        <p:txBody>
-          <a:bodyPr/>
-          <a:lstStyle/>
-          <a:p>
-            <a:pPr marL="0" lvl="0" indent="0" algn="l" rtl="0">
-              <a:spcBef>
-                <a:spcPts val="0"/>
-              </a:spcBef>
-              <a:spcAft>
-                <a:spcPts val="600"/>
-              </a:spcAft>
-              <a:buNone/>
-            </a:pPr>
-            <a:fld id="{00000000-1234-1234-1234-123412341234}" type="slidenum">
-              <a:rPr lang="en-US"/>
-              <a:pPr marL="0" lvl="0" indent="0" algn="l" rtl="0">
-                <a:spcBef>
-                  <a:spcPts val="0"/>
-                </a:spcBef>
-                <a:spcAft>
-                  <a:spcPts val="600"/>
-                </a:spcAft>
-                <a:buNone/>
-              </a:pPr>
-              <a:t>11</a:t>
-            </a:fld>
-            <a:endParaRPr lang="en-US"/>
           </a:p>
         </p:txBody>
       </p:sp>
@@ -31553,6 +31497,58 @@
           </a:p>
         </p:txBody>
       </p:sp>
+      <p:sp>
+        <p:nvSpPr>
+          <p:cNvPr id="2" name="Oval 1">
+            <a:extLst>
+              <a:ext uri="{FF2B5EF4-FFF2-40B4-BE49-F238E27FC236}">
+                <a16:creationId xmlns:a16="http://schemas.microsoft.com/office/drawing/2014/main" id="{DC384EB6-D7C6-4F56-8E8C-6DF8B4F1FFFB}"/>
+              </a:ext>
+            </a:extLst>
+          </p:cNvPr>
+          <p:cNvSpPr/>
+          <p:nvPr/>
+        </p:nvSpPr>
+        <p:spPr>
+          <a:xfrm>
+            <a:off x="2400299" y="2856057"/>
+            <a:ext cx="377688" cy="627607"/>
+          </a:xfrm>
+          <a:prstGeom prst="ellipse">
+            <a:avLst/>
+          </a:prstGeom>
+          <a:solidFill>
+            <a:schemeClr val="bg1"/>
+          </a:solidFill>
+          <a:ln>
+            <a:solidFill>
+              <a:schemeClr val="bg1"/>
+            </a:solidFill>
+          </a:ln>
+        </p:spPr>
+        <p:style>
+          <a:lnRef idx="2">
+            <a:schemeClr val="dk1"/>
+          </a:lnRef>
+          <a:fillRef idx="1">
+            <a:schemeClr val="lt1"/>
+          </a:fillRef>
+          <a:effectRef idx="0">
+            <a:schemeClr val="dk1"/>
+          </a:effectRef>
+          <a:fontRef idx="minor">
+            <a:schemeClr val="dk1"/>
+          </a:fontRef>
+        </p:style>
+        <p:txBody>
+          <a:bodyPr rtlCol="0" anchor="ctr"/>
+          <a:lstStyle/>
+          <a:p>
+            <a:pPr algn="ctr"/>
+            <a:endParaRPr lang="en-US"/>
+          </a:p>
+        </p:txBody>
+      </p:sp>
     </p:spTree>
   </p:cSld>
   <p:clrMapOvr>
@@ -31726,7 +31722,7 @@
             </a:pPr>
             <a:r>
               <a:rPr lang="en-US" sz="1800" dirty="0"/>
-              <a:t>Becoming a better programmer </a:t>
+              <a:t>Data science is 80% programming </a:t>
             </a:r>
             <a:endParaRPr sz="1800" dirty="0"/>
           </a:p>
@@ -31780,7 +31776,7 @@
             </a:pPr>
             <a:r>
               <a:rPr lang="en-US" sz="1800" dirty="0"/>
-              <a:t>speak up early and often if you need help</a:t>
+              <a:t>Learning enough to be able to continue to learn </a:t>
             </a:r>
             <a:endParaRPr sz="1800" dirty="0"/>
           </a:p>
@@ -31815,54 +31811,7 @@
           </a:bodyPr>
           <a:lstStyle/>
           <a:p>
-            <a:pPr marL="0" lvl="0" indent="0" algn="l" rtl="0">
-              <a:lnSpc>
-                <a:spcPct val="90000"/>
-              </a:lnSpc>
-              <a:spcBef>
-                <a:spcPts val="0"/>
-              </a:spcBef>
-              <a:spcAft>
-                <a:spcPts val="0"/>
-              </a:spcAft>
-              <a:buClr>
-                <a:schemeClr val="lt1"/>
-              </a:buClr>
-              <a:buSzPts val="1100"/>
-              <a:buFont typeface="Calibri"/>
-              <a:buNone/>
-            </a:pPr>
-            <a:r>
-              <a:rPr lang="en-US" sz="1800" dirty="0" err="1"/>
-              <a:t>Maths</a:t>
-            </a:r>
-            <a:r>
-              <a:rPr lang="en-US" sz="1800" dirty="0"/>
-              <a:t>!!! </a:t>
-            </a:r>
-          </a:p>
-          <a:p>
-            <a:pPr marL="0" lvl="0" indent="0" algn="l" rtl="0">
-              <a:lnSpc>
-                <a:spcPct val="90000"/>
-              </a:lnSpc>
-              <a:spcBef>
-                <a:spcPts val="0"/>
-              </a:spcBef>
-              <a:spcAft>
-                <a:spcPts val="0"/>
-              </a:spcAft>
-              <a:buClr>
-                <a:schemeClr val="lt1"/>
-              </a:buClr>
-              <a:buSzPts val="1100"/>
-              <a:buFont typeface="Calibri"/>
-              <a:buNone/>
-            </a:pPr>
-            <a:endParaRPr lang="en-US" sz="1800" dirty="0"/>
-          </a:p>
-          <a:p>
-            <a:pPr marL="0" lvl="0" indent="0" algn="l" rtl="0">
+            <a:pPr marL="0" marR="0" lvl="0" indent="0" algn="l" rtl="0">
               <a:lnSpc>
                 <a:spcPct val="90000"/>
               </a:lnSpc>
@@ -31881,9 +31830,8 @@
             </a:pPr>
             <a:r>
               <a:rPr lang="en-US" sz="1800" dirty="0"/>
-              <a:t>They don’t have to be scary </a:t>
+              <a:t>Trying to be less sophomoric.</a:t>
             </a:r>
-            <a:endParaRPr sz="1800" dirty="0"/>
           </a:p>
         </p:txBody>
       </p:sp>
@@ -31935,8 +31883,47 @@
             </a:pPr>
             <a:r>
               <a:rPr lang="en-US" sz="1800" dirty="0"/>
-              <a:t>Trying to be Less sophomoric</a:t>
+              <a:t>Understanding what's going on under the hood so you fix things when they doing work right.</a:t>
             </a:r>
+          </a:p>
+          <a:p>
+            <a:pPr marL="0" marR="0" lvl="0" indent="0" algn="l" rtl="0">
+              <a:lnSpc>
+                <a:spcPct val="90000"/>
+              </a:lnSpc>
+              <a:spcBef>
+                <a:spcPts val="0"/>
+              </a:spcBef>
+              <a:spcAft>
+                <a:spcPts val="0"/>
+              </a:spcAft>
+              <a:buClr>
+                <a:schemeClr val="lt1"/>
+              </a:buClr>
+              <a:buSzPts val="1100"/>
+              <a:buFont typeface="Calibri"/>
+              <a:buNone/>
+            </a:pPr>
+            <a:endParaRPr lang="en-US" sz="1800" dirty="0"/>
+          </a:p>
+          <a:p>
+            <a:pPr marL="0" marR="0" lvl="0" indent="0" algn="l" rtl="0">
+              <a:lnSpc>
+                <a:spcPct val="90000"/>
+              </a:lnSpc>
+              <a:spcBef>
+                <a:spcPts val="0"/>
+              </a:spcBef>
+              <a:spcAft>
+                <a:spcPts val="0"/>
+              </a:spcAft>
+              <a:buClr>
+                <a:schemeClr val="lt1"/>
+              </a:buClr>
+              <a:buSzPts val="1100"/>
+              <a:buFont typeface="Calibri"/>
+              <a:buNone/>
+            </a:pPr>
             <a:endParaRPr sz="1800" dirty="0"/>
           </a:p>
         </p:txBody>
@@ -32192,8 +32179,8 @@
         </p:nvSpPr>
         <p:spPr>
           <a:xfrm>
-            <a:off x="7461610" y="900819"/>
-            <a:ext cx="4565290" cy="926371"/>
+            <a:off x="7461610" y="900820"/>
+            <a:ext cx="4565290" cy="510538"/>
           </a:xfrm>
           <a:prstGeom prst="rect">
             <a:avLst/>
@@ -32230,7 +32217,6 @@
               <a:rPr lang="en-US" dirty="0"/>
               <a:t>Overview</a:t>
             </a:r>
-            <a:endParaRPr dirty="0"/>
           </a:p>
           <a:p>
             <a:pPr marL="342900" marR="0" lvl="0" indent="-342900" algn="l" rtl="0">
@@ -32238,7 +32224,7 @@
                 <a:spcPct val="90000"/>
               </a:lnSpc>
               <a:spcBef>
-                <a:spcPts val="1000"/>
+                <a:spcPts val="0"/>
               </a:spcBef>
               <a:spcAft>
                 <a:spcPts val="0"/>
@@ -32252,7 +32238,7 @@
             </a:pPr>
             <a:r>
               <a:rPr lang="en-US" dirty="0"/>
-              <a:t>Math review</a:t>
+              <a:t>Learning Math </a:t>
             </a:r>
           </a:p>
           <a:p>
@@ -32275,7 +32261,7 @@
             </a:pPr>
             <a:r>
               <a:rPr lang="en-US" dirty="0"/>
-              <a:t>Neural Network class </a:t>
+              <a:t>Neural Network Class </a:t>
             </a:r>
           </a:p>
           <a:p>
@@ -32298,9 +32284,8 @@
             </a:pPr>
             <a:r>
               <a:rPr lang="en-US" dirty="0"/>
-              <a:t>Demo</a:t>
+              <a:t>Why a Neural Network </a:t>
             </a:r>
-            <a:endParaRPr dirty="0"/>
           </a:p>
           <a:p>
             <a:pPr marL="342900" marR="0" lvl="0" indent="-342900" algn="l" rtl="0">
@@ -32322,7 +32307,30 @@
             </a:pPr>
             <a:r>
               <a:rPr lang="en-US" dirty="0"/>
-              <a:t>Challenges</a:t>
+              <a:t>Sample Problems </a:t>
+            </a:r>
+          </a:p>
+          <a:p>
+            <a:pPr marL="342900" marR="0" lvl="0" indent="-342900" algn="l" rtl="0">
+              <a:lnSpc>
+                <a:spcPct val="90000"/>
+              </a:lnSpc>
+              <a:spcBef>
+                <a:spcPts val="1000"/>
+              </a:spcBef>
+              <a:spcAft>
+                <a:spcPts val="0"/>
+              </a:spcAft>
+              <a:buClr>
+                <a:schemeClr val="accent1"/>
+              </a:buClr>
+              <a:buSzPts val="2400"/>
+              <a:buFont typeface="Arial"/>
+              <a:buChar char="•"/>
+            </a:pPr>
+            <a:r>
+              <a:rPr lang="en-US" dirty="0"/>
+              <a:t>Next Steps</a:t>
             </a:r>
             <a:endParaRPr dirty="0"/>
           </a:p>
@@ -34204,7 +34212,7 @@
             <a:pPr algn="ctr"/>
             <a:r>
               <a:rPr lang="en-US" dirty="0"/>
-              <a:t>Learning resources</a:t>
+              <a:t>Learning Resources</a:t>
             </a:r>
           </a:p>
         </p:txBody>
@@ -34453,7 +34461,7 @@
           <a:p>
             <a:r>
               <a:rPr lang="en-US" dirty="0"/>
-              <a:t>My Neural Network class</a:t>
+              <a:t>My Neural Network Class</a:t>
             </a:r>
             <a:br>
               <a:rPr lang="en-US" dirty="0"/>
@@ -34510,7 +34518,7 @@
         <p:spPr>
           <a:xfrm>
             <a:off x="573366" y="1988360"/>
-            <a:ext cx="4048329" cy="2677656"/>
+            <a:ext cx="4048329" cy="2893100"/>
           </a:xfrm>
           <a:prstGeom prst="rect">
             <a:avLst/>
@@ -34544,6 +34552,37 @@
               <a:buChar char="•"/>
             </a:pPr>
             <a:r>
+              <a:rPr lang="en-US" dirty="0">
+                <a:solidFill>
+                  <a:srgbClr val="333333"/>
+                </a:solidFill>
+                <a:latin typeface="Helvetica Neue" panose="020B0604020202020204" charset="0"/>
+              </a:rPr>
+              <a:t>Only Dependency: </a:t>
+            </a:r>
+            <a:r>
+              <a:rPr lang="en-US" dirty="0" err="1">
+                <a:solidFill>
+                  <a:srgbClr val="333333"/>
+                </a:solidFill>
+                <a:latin typeface="Helvetica Neue" panose="020B0604020202020204" charset="0"/>
+              </a:rPr>
+              <a:t>Numpy</a:t>
+            </a:r>
+            <a:endParaRPr lang="en-US" b="0" i="0" dirty="0">
+              <a:solidFill>
+                <a:srgbClr val="333333"/>
+              </a:solidFill>
+              <a:effectLst/>
+              <a:latin typeface="Helvetica Neue" panose="020B0604020202020204" charset="0"/>
+            </a:endParaRPr>
+          </a:p>
+          <a:p>
+            <a:pPr algn="l" fontAlgn="base">
+              <a:buFont typeface="Arial" panose="020B0604020202020204" pitchFamily="34" charset="0"/>
+              <a:buChar char="•"/>
+            </a:pPr>
+            <a:r>
               <a:rPr lang="en-US" b="0" i="0" dirty="0">
                 <a:solidFill>
                   <a:srgbClr val="333333"/>
@@ -34599,7 +34638,7 @@
                 <a:effectLst/>
                 <a:latin typeface="Helvetica Neue" panose="020B0604020202020204" charset="0"/>
               </a:rPr>
-              <a:t>scholastically </a:t>
+              <a:t>stochastically </a:t>
             </a:r>
           </a:p>
           <a:p>
@@ -34753,6 +34792,39 @@
             <p:ph type="title"/>
           </p:nvPr>
         </p:nvSpPr>
+        <p:spPr>
+          <a:xfrm>
+            <a:off x="163927" y="125685"/>
+            <a:ext cx="10515600" cy="1325700"/>
+          </a:xfrm>
+        </p:spPr>
+        <p:txBody>
+          <a:bodyPr/>
+          <a:lstStyle/>
+          <a:p>
+            <a:r>
+              <a:rPr lang="en-US" dirty="0"/>
+              <a:t>Math and Neural Networks</a:t>
+            </a:r>
+          </a:p>
+        </p:txBody>
+      </p:sp>
+      <p:sp>
+        <p:nvSpPr>
+          <p:cNvPr id="7" name="Text Placeholder 6">
+            <a:extLst>
+              <a:ext uri="{FF2B5EF4-FFF2-40B4-BE49-F238E27FC236}">
+                <a16:creationId xmlns:a16="http://schemas.microsoft.com/office/drawing/2014/main" id="{AF8695B2-AF99-4C18-A5CA-E93A6E1882DC}"/>
+              </a:ext>
+            </a:extLst>
+          </p:cNvPr>
+          <p:cNvSpPr>
+            <a:spLocks noGrp="1"/>
+          </p:cNvSpPr>
+          <p:nvPr>
+            <p:ph type="body" idx="1"/>
+          </p:nvPr>
+        </p:nvSpPr>
         <p:spPr/>
         <p:txBody>
           <a:bodyPr/>
@@ -34760,57 +34832,68 @@
           <a:p>
             <a:r>
               <a:rPr lang="en-US" dirty="0"/>
-              <a:t>Math and Neural Network</a:t>
+              <a:t>Linear </a:t>
+            </a:r>
+            <a:r>
+              <a:rPr lang="en-US" dirty="0" err="1"/>
+              <a:t>Algebra|Forward</a:t>
+            </a:r>
+            <a:r>
+              <a:rPr lang="en-US" dirty="0"/>
+              <a:t> Propagation</a:t>
             </a:r>
           </a:p>
         </p:txBody>
       </p:sp>
       <p:sp>
         <p:nvSpPr>
-          <p:cNvPr id="5" name="TextBox 4">
+          <p:cNvPr id="11" name="AutoShape 2">
             <a:extLst>
               <a:ext uri="{FF2B5EF4-FFF2-40B4-BE49-F238E27FC236}">
-                <a16:creationId xmlns:a16="http://schemas.microsoft.com/office/drawing/2014/main" id="{5A8AD0C9-8EC8-4A4E-B814-1B8D495A2DBD}"/>
+                <a16:creationId xmlns:a16="http://schemas.microsoft.com/office/drawing/2014/main" id="{ACA5874C-6693-4090-B6B1-BAFC50D699E4}"/>
               </a:ext>
             </a:extLst>
           </p:cNvPr>
-          <p:cNvSpPr txBox="1"/>
-          <p:nvPr/>
+          <p:cNvSpPr>
+            <a:spLocks noGrp="1" noChangeAspect="1" noChangeArrowheads="1"/>
+          </p:cNvSpPr>
+          <p:nvPr>
+            <p:ph type="body" idx="2"/>
+          </p:nvPr>
         </p:nvSpPr>
-        <p:spPr>
-          <a:xfrm>
-            <a:off x="1035929" y="1732171"/>
-            <a:ext cx="6239687" cy="738664"/>
-          </a:xfrm>
+        <p:spPr bwMode="auto">
           <a:prstGeom prst="rect">
             <a:avLst/>
           </a:prstGeom>
           <a:noFill/>
+          <a:extLst>
+            <a:ext uri="{909E8E84-426E-40DD-AFC4-6F175D3DCCD1}">
+              <a14:hiddenFill xmlns:a14="http://schemas.microsoft.com/office/drawing/2010/main">
+                <a:solidFill>
+                  <a:srgbClr val="FFFFFF"/>
+                </a:solidFill>
+              </a14:hiddenFill>
+            </a:ext>
+          </a:extLst>
         </p:spPr>
         <p:txBody>
-          <a:bodyPr wrap="square" rtlCol="0">
-            <a:spAutoFit/>
+          <a:bodyPr vert="horz" wrap="square" lIns="91440" tIns="45720" rIns="91440" bIns="45720" numCol="1" anchor="t" anchorCtr="0" compatLnSpc="1">
+            <a:prstTxWarp prst="textNoShape">
+              <a:avLst/>
+            </a:prstTxWarp>
           </a:bodyPr>
           <a:lstStyle/>
           <a:p>
             <a:r>
               <a:rPr lang="en-US" dirty="0"/>
-              <a:t>Forward Propagation / Linear </a:t>
+              <a:t>Vectors</a:t>
             </a:r>
-            <a:r>
-              <a:rPr lang="en-US" b="0" i="0" dirty="0">
-                <a:solidFill>
-                  <a:srgbClr val="202124"/>
-                </a:solidFill>
-                <a:effectLst/>
-                <a:latin typeface="Google Sans"/>
-              </a:rPr>
-              <a:t>Algebra</a:t>
-            </a:r>
-            <a:r>
-              <a:rPr lang="en-US" dirty="0"/>
-              <a:t>  </a:t>
-            </a:r>
+          </a:p>
+          <a:p>
+            <a:endParaRPr lang="en-US" dirty="0"/>
+          </a:p>
+          <a:p>
+            <a:endParaRPr lang="en-US" dirty="0"/>
           </a:p>
           <a:p>
             <a:endParaRPr lang="en-US" dirty="0"/>
@@ -34818,11 +34901,195 @@
           <a:p>
             <a:r>
               <a:rPr lang="en-US" dirty="0"/>
-              <a:t>Backward Propagation / Calculus Differentiation  </a:t>
+              <a:t>Dot product</a:t>
+            </a:r>
+          </a:p>
+          <a:p>
+            <a:r>
+              <a:rPr lang="en-US" dirty="0"/>
+              <a:t>Distance </a:t>
+            </a:r>
+          </a:p>
+          <a:p>
+            <a:endParaRPr lang="en-US" dirty="0"/>
+          </a:p>
+          <a:p>
+            <a:pPr marL="50800" indent="0">
+              <a:buNone/>
+            </a:pPr>
+            <a:endParaRPr lang="en-US" dirty="0"/>
+          </a:p>
+        </p:txBody>
+      </p:sp>
+      <p:sp>
+        <p:nvSpPr>
+          <p:cNvPr id="9" name="Text Placeholder 8">
+            <a:extLst>
+              <a:ext uri="{FF2B5EF4-FFF2-40B4-BE49-F238E27FC236}">
+                <a16:creationId xmlns:a16="http://schemas.microsoft.com/office/drawing/2014/main" id="{5C0BB26C-A8E2-4EEA-A8A8-3A4B20E54159}"/>
+              </a:ext>
+            </a:extLst>
+          </p:cNvPr>
+          <p:cNvSpPr>
+            <a:spLocks noGrp="1"/>
+          </p:cNvSpPr>
+          <p:nvPr>
+            <p:ph type="body" idx="3"/>
+          </p:nvPr>
+        </p:nvSpPr>
+        <p:spPr/>
+        <p:txBody>
+          <a:bodyPr/>
+          <a:lstStyle/>
+          <a:p>
+            <a:r>
+              <a:rPr lang="en-US" dirty="0"/>
+              <a:t>Calculus | Gradient Descent </a:t>
             </a:r>
           </a:p>
         </p:txBody>
       </p:sp>
+      <p:sp>
+        <p:nvSpPr>
+          <p:cNvPr id="10" name="Text Placeholder 9">
+            <a:extLst>
+              <a:ext uri="{FF2B5EF4-FFF2-40B4-BE49-F238E27FC236}">
+                <a16:creationId xmlns:a16="http://schemas.microsoft.com/office/drawing/2014/main" id="{0B7CD26F-C2FB-46FE-B291-9F8C62402BCB}"/>
+              </a:ext>
+            </a:extLst>
+          </p:cNvPr>
+          <p:cNvSpPr>
+            <a:spLocks noGrp="1"/>
+          </p:cNvSpPr>
+          <p:nvPr>
+            <p:ph type="body" idx="4"/>
+          </p:nvPr>
+        </p:nvSpPr>
+        <p:spPr/>
+        <p:txBody>
+          <a:bodyPr/>
+          <a:lstStyle/>
+          <a:p>
+            <a:r>
+              <a:rPr lang="en-US" dirty="0"/>
+              <a:t>Derivatives</a:t>
+            </a:r>
+          </a:p>
+          <a:p>
+            <a:r>
+              <a:rPr lang="en-US" dirty="0"/>
+              <a:t>Chain rule </a:t>
+            </a:r>
+          </a:p>
+        </p:txBody>
+      </p:sp>
+      <p:pic>
+        <p:nvPicPr>
+          <p:cNvPr id="16" name="Picture 15">
+            <a:extLst>
+              <a:ext uri="{FF2B5EF4-FFF2-40B4-BE49-F238E27FC236}">
+                <a16:creationId xmlns:a16="http://schemas.microsoft.com/office/drawing/2014/main" id="{96C39AB7-9D67-4DCB-8C46-9392B06FFD63}"/>
+              </a:ext>
+            </a:extLst>
+          </p:cNvPr>
+          <p:cNvPicPr>
+            <a:picLocks noChangeAspect="1"/>
+          </p:cNvPicPr>
+          <p:nvPr/>
+        </p:nvPicPr>
+        <p:blipFill>
+          <a:blip r:embed="rId2"/>
+          <a:stretch>
+            <a:fillRect/>
+          </a:stretch>
+        </p:blipFill>
+        <p:spPr>
+          <a:xfrm>
+            <a:off x="2623506" y="2562120"/>
+            <a:ext cx="1880325" cy="1471773"/>
+          </a:xfrm>
+          <a:prstGeom prst="rect">
+            <a:avLst/>
+          </a:prstGeom>
+        </p:spPr>
+      </p:pic>
+      <p:pic>
+        <p:nvPicPr>
+          <p:cNvPr id="18" name="Picture 17">
+            <a:extLst>
+              <a:ext uri="{FF2B5EF4-FFF2-40B4-BE49-F238E27FC236}">
+                <a16:creationId xmlns:a16="http://schemas.microsoft.com/office/drawing/2014/main" id="{00CB1704-F322-4AD7-9588-3F55A97683AE}"/>
+              </a:ext>
+            </a:extLst>
+          </p:cNvPr>
+          <p:cNvPicPr>
+            <a:picLocks noChangeAspect="1"/>
+          </p:cNvPicPr>
+          <p:nvPr/>
+        </p:nvPicPr>
+        <p:blipFill>
+          <a:blip r:embed="rId3"/>
+          <a:stretch>
+            <a:fillRect/>
+          </a:stretch>
+        </p:blipFill>
+        <p:spPr>
+          <a:xfrm>
+            <a:off x="3217792" y="4493449"/>
+            <a:ext cx="2428460" cy="1236670"/>
+          </a:xfrm>
+          <a:prstGeom prst="rect">
+            <a:avLst/>
+          </a:prstGeom>
+        </p:spPr>
+      </p:pic>
+      <p:pic>
+        <p:nvPicPr>
+          <p:cNvPr id="1032" name="Picture 8">
+            <a:extLst>
+              <a:ext uri="{FF2B5EF4-FFF2-40B4-BE49-F238E27FC236}">
+                <a16:creationId xmlns:a16="http://schemas.microsoft.com/office/drawing/2014/main" id="{E9FA11C1-82CC-44C1-B96B-3E588CF9D1B7}"/>
+              </a:ext>
+            </a:extLst>
+          </p:cNvPr>
+          <p:cNvPicPr>
+            <a:picLocks noChangeAspect="1" noChangeArrowheads="1"/>
+          </p:cNvPicPr>
+          <p:nvPr/>
+        </p:nvPicPr>
+        <p:blipFill>
+          <a:blip r:embed="rId4">
+            <a:extLst>
+              <a:ext uri="{28A0092B-C50C-407E-A947-70E740481C1C}">
+                <a14:useLocalDpi xmlns:a14="http://schemas.microsoft.com/office/drawing/2010/main" val="0"/>
+              </a:ext>
+            </a:extLst>
+          </a:blip>
+          <a:srcRect/>
+          <a:stretch>
+            <a:fillRect/>
+          </a:stretch>
+        </p:blipFill>
+        <p:spPr bwMode="auto">
+          <a:xfrm>
+            <a:off x="7709107" y="3785907"/>
+            <a:ext cx="2619375" cy="1743075"/>
+          </a:xfrm>
+          <a:prstGeom prst="rect">
+            <a:avLst/>
+          </a:prstGeom>
+          <a:noFill/>
+          <a:extLst>
+            <a:ext uri="{909E8E84-426E-40DD-AFC4-6F175D3DCCD1}">
+              <a14:hiddenFill xmlns:a14="http://schemas.microsoft.com/office/drawing/2010/main">
+                <a:solidFill>
+                  <a:srgbClr val="FFFFFF"/>
+                </a:solidFill>
+              </a14:hiddenFill>
+            </a:ext>
+          </a:extLst>
+        </p:spPr>
+      </p:pic>
     </p:spTree>
     <p:extLst>
       <p:ext uri="{BB962C8B-B14F-4D97-AF65-F5344CB8AC3E}">
@@ -34881,7 +35148,7 @@
           <a:p>
             <a:r>
               <a:rPr lang="en-US" dirty="0"/>
-              <a:t>Activation functions</a:t>
+              <a:t>Activation Functions</a:t>
             </a:r>
           </a:p>
         </p:txBody>
@@ -35482,7 +35749,7 @@
           <a:p>
             <a:r>
               <a:rPr lang="en-US" dirty="0"/>
-              <a:t>Their derivatives </a:t>
+              <a:t>Their Derivatives </a:t>
             </a:r>
           </a:p>
         </p:txBody>
